--- a/Week04/Week04 Introduction to Major Cloud Providers and Services.pptx
+++ b/Week04/Week04 Introduction to Major Cloud Providers and Services.pptx
@@ -211,7 +211,7 @@
           <a:p>
             <a:fld id="{04816A0E-29A2-D142-9D2B-F09E109408D3}" type="datetimeFigureOut">
               <a:rPr lang="en-US" smtClean="0"/>
-              <a:t>1/30/25</a:t>
+              <a:t>1/31/25</a:t>
             </a:fld>
             <a:endParaRPr lang="en-US"/>
           </a:p>
@@ -636,7 +636,7 @@
           <a:p>
             <a:fld id="{655A5808-3B61-48CC-92EF-85AC2E0DFA56}" type="datetime2">
               <a:rPr lang="en-US" smtClean="0"/>
-              <a:t>Thursday, January 30, 2025</a:t>
+              <a:t>Friday, January 31, 2025</a:t>
             </a:fld>
             <a:endParaRPr lang="en-US"/>
           </a:p>
@@ -834,7 +834,7 @@
           <a:p>
             <a:fld id="{735E98AF-4574-4509-BF7A-519ACD5BF826}" type="datetime2">
               <a:rPr lang="en-US" smtClean="0"/>
-              <a:t>Thursday, January 30, 2025</a:t>
+              <a:t>Friday, January 31, 2025</a:t>
             </a:fld>
             <a:endParaRPr lang="en-US"/>
           </a:p>
@@ -1044,7 +1044,7 @@
           <a:p>
             <a:fld id="{93DD97D4-9636-490F-85D0-E926C2B6F3B1}" type="datetime2">
               <a:rPr lang="en-US" smtClean="0"/>
-              <a:t>Thursday, January 30, 2025</a:t>
+              <a:t>Friday, January 31, 2025</a:t>
             </a:fld>
             <a:endParaRPr lang="en-US"/>
           </a:p>
@@ -1243,7 +1243,7 @@
           <a:p>
             <a:fld id="{2F3AF3C6-0FD4-4939-991C-00DDE5C56815}" type="datetime2">
               <a:rPr lang="en-US" smtClean="0"/>
-              <a:t>Thursday, January 30, 2025</a:t>
+              <a:t>Friday, January 31, 2025</a:t>
             </a:fld>
             <a:endParaRPr lang="en-US"/>
           </a:p>
@@ -1524,7 +1524,7 @@
           <a:p>
             <a:fld id="{86807482-8128-47C6-A8DD-6452B0291CFF}" type="datetime2">
               <a:rPr lang="en-US" smtClean="0"/>
-              <a:t>Thursday, January 30, 2025</a:t>
+              <a:t>Friday, January 31, 2025</a:t>
             </a:fld>
             <a:endParaRPr lang="en-US"/>
           </a:p>
@@ -1792,7 +1792,7 @@
           <a:p>
             <a:fld id="{37903F25-275E-41DE-BE3B-EBF0DB49F9B1}" type="datetime2">
               <a:rPr lang="en-US" smtClean="0"/>
-              <a:t>Thursday, January 30, 2025</a:t>
+              <a:t>Friday, January 31, 2025</a:t>
             </a:fld>
             <a:endParaRPr lang="en-US"/>
           </a:p>
@@ -2173,7 +2173,7 @@
           <a:p>
             <a:fld id="{EE475572-4A44-4171-84AA-64D42C8050A6}" type="datetime2">
               <a:rPr lang="en-US" smtClean="0"/>
-              <a:t>Thursday, January 30, 2025</a:t>
+              <a:t>Friday, January 31, 2025</a:t>
             </a:fld>
             <a:endParaRPr lang="en-US"/>
           </a:p>
@@ -2343,7 +2343,7 @@
           <a:p>
             <a:fld id="{C4C1612E-528E-4FD5-9E9E-E15F1108F171}" type="datetime2">
               <a:rPr lang="en-US" smtClean="0"/>
-              <a:t>Thursday, January 30, 2025</a:t>
+              <a:t>Friday, January 31, 2025</a:t>
             </a:fld>
             <a:endParaRPr lang="en-US"/>
           </a:p>
@@ -2456,7 +2456,7 @@
           <a:p>
             <a:fld id="{D4F6D862-A06D-436F-A92E-EBAAD50B6E50}" type="datetime2">
               <a:rPr lang="en-US" smtClean="0"/>
-              <a:t>Thursday, January 30, 2025</a:t>
+              <a:t>Friday, January 31, 2025</a:t>
             </a:fld>
             <a:endParaRPr lang="en-US"/>
           </a:p>
@@ -2773,7 +2773,7 @@
           <a:p>
             <a:fld id="{B73E0B7D-2260-4809-8F0A-9E5F3E24F169}" type="datetime2">
               <a:rPr lang="en-US" smtClean="0"/>
-              <a:t>Thursday, January 30, 2025</a:t>
+              <a:t>Friday, January 31, 2025</a:t>
             </a:fld>
             <a:endParaRPr lang="en-US"/>
           </a:p>
@@ -3065,7 +3065,7 @@
           <a:p>
             <a:fld id="{3C8E4735-C637-46A3-94EB-AB3AC4188D2F}" type="datetime2">
               <a:rPr lang="en-US" smtClean="0"/>
-              <a:t>Thursday, January 30, 2025</a:t>
+              <a:t>Friday, January 31, 2025</a:t>
             </a:fld>
             <a:endParaRPr lang="en-US"/>
           </a:p>
@@ -3433,7 +3433,7 @@
             <a:fld id="{AE0C963C-C1DB-4AFD-9DDC-0691666BF49B}" type="datetime2">
               <a:rPr lang="en-US" smtClean="0"/>
               <a:pPr/>
-              <a:t>Thursday, January 30, 2025</a:t>
+              <a:t>Friday, January 31, 2025</a:t>
             </a:fld>
             <a:endParaRPr lang="en-US" cap="all" dirty="0"/>
           </a:p>
@@ -5122,8 +5122,8 @@
           <a:lstStyle/>
           <a:p>
             <a:r>
-              <a:rPr lang="en-US" b="1" dirty="0"/>
-              <a:t>Lab-1: </a:t>
+              <a:rPr lang="en-US" b="1"/>
+              <a:t>Lab-2: </a:t>
             </a:r>
             <a:br>
               <a:rPr lang="en-US" b="1" dirty="0"/>
